--- a/0. Basic Overview/Additional knowledge on Ionic.pptx
+++ b/0. Basic Overview/Additional knowledge on Ionic.pptx
@@ -252,7 +252,7 @@
           <a:p>
             <a:fld id="{ACB1E58D-99CE-45CB-B7CB-E91F9EB52D3A}" type="datetimeFigureOut">
               <a:rPr lang="en-SG" smtClean="0"/>
-              <a:t>26/11/2018</a:t>
+              <a:t>28/11/2018</a:t>
             </a:fld>
             <a:endParaRPr lang="en-SG"/>
           </a:p>
@@ -422,7 +422,7 @@
           <a:p>
             <a:fld id="{ACB1E58D-99CE-45CB-B7CB-E91F9EB52D3A}" type="datetimeFigureOut">
               <a:rPr lang="en-SG" smtClean="0"/>
-              <a:t>26/11/2018</a:t>
+              <a:t>28/11/2018</a:t>
             </a:fld>
             <a:endParaRPr lang="en-SG"/>
           </a:p>
@@ -602,7 +602,7 @@
           <a:p>
             <a:fld id="{ACB1E58D-99CE-45CB-B7CB-E91F9EB52D3A}" type="datetimeFigureOut">
               <a:rPr lang="en-SG" smtClean="0"/>
-              <a:t>26/11/2018</a:t>
+              <a:t>28/11/2018</a:t>
             </a:fld>
             <a:endParaRPr lang="en-SG"/>
           </a:p>
@@ -772,7 +772,7 @@
           <a:p>
             <a:fld id="{ACB1E58D-99CE-45CB-B7CB-E91F9EB52D3A}" type="datetimeFigureOut">
               <a:rPr lang="en-SG" smtClean="0"/>
-              <a:t>26/11/2018</a:t>
+              <a:t>28/11/2018</a:t>
             </a:fld>
             <a:endParaRPr lang="en-SG"/>
           </a:p>
@@ -1018,7 +1018,7 @@
           <a:p>
             <a:fld id="{ACB1E58D-99CE-45CB-B7CB-E91F9EB52D3A}" type="datetimeFigureOut">
               <a:rPr lang="en-SG" smtClean="0"/>
-              <a:t>26/11/2018</a:t>
+              <a:t>28/11/2018</a:t>
             </a:fld>
             <a:endParaRPr lang="en-SG"/>
           </a:p>
@@ -1250,7 +1250,7 @@
           <a:p>
             <a:fld id="{ACB1E58D-99CE-45CB-B7CB-E91F9EB52D3A}" type="datetimeFigureOut">
               <a:rPr lang="en-SG" smtClean="0"/>
-              <a:t>26/11/2018</a:t>
+              <a:t>28/11/2018</a:t>
             </a:fld>
             <a:endParaRPr lang="en-SG"/>
           </a:p>
@@ -1617,7 +1617,7 @@
           <a:p>
             <a:fld id="{ACB1E58D-99CE-45CB-B7CB-E91F9EB52D3A}" type="datetimeFigureOut">
               <a:rPr lang="en-SG" smtClean="0"/>
-              <a:t>26/11/2018</a:t>
+              <a:t>28/11/2018</a:t>
             </a:fld>
             <a:endParaRPr lang="en-SG"/>
           </a:p>
@@ -1735,7 +1735,7 @@
           <a:p>
             <a:fld id="{ACB1E58D-99CE-45CB-B7CB-E91F9EB52D3A}" type="datetimeFigureOut">
               <a:rPr lang="en-SG" smtClean="0"/>
-              <a:t>26/11/2018</a:t>
+              <a:t>28/11/2018</a:t>
             </a:fld>
             <a:endParaRPr lang="en-SG"/>
           </a:p>
@@ -1830,7 +1830,7 @@
           <a:p>
             <a:fld id="{ACB1E58D-99CE-45CB-B7CB-E91F9EB52D3A}" type="datetimeFigureOut">
               <a:rPr lang="en-SG" smtClean="0"/>
-              <a:t>26/11/2018</a:t>
+              <a:t>28/11/2018</a:t>
             </a:fld>
             <a:endParaRPr lang="en-SG"/>
           </a:p>
@@ -2107,7 +2107,7 @@
           <a:p>
             <a:fld id="{ACB1E58D-99CE-45CB-B7CB-E91F9EB52D3A}" type="datetimeFigureOut">
               <a:rPr lang="en-SG" smtClean="0"/>
-              <a:t>26/11/2018</a:t>
+              <a:t>28/11/2018</a:t>
             </a:fld>
             <a:endParaRPr lang="en-SG"/>
           </a:p>
@@ -2360,7 +2360,7 @@
           <a:p>
             <a:fld id="{ACB1E58D-99CE-45CB-B7CB-E91F9EB52D3A}" type="datetimeFigureOut">
               <a:rPr lang="en-SG" smtClean="0"/>
-              <a:t>26/11/2018</a:t>
+              <a:t>28/11/2018</a:t>
             </a:fld>
             <a:endParaRPr lang="en-SG"/>
           </a:p>
@@ -2573,7 +2573,7 @@
           <a:p>
             <a:fld id="{ACB1E58D-99CE-45CB-B7CB-E91F9EB52D3A}" type="datetimeFigureOut">
               <a:rPr lang="en-SG" smtClean="0"/>
-              <a:t>26/11/2018</a:t>
+              <a:t>28/11/2018</a:t>
             </a:fld>
             <a:endParaRPr lang="en-SG"/>
           </a:p>
@@ -4264,7 +4264,12 @@
               <a:rPr lang="en-US" dirty="0"/>
               <a:t>Follow MV* pattern</a:t>
             </a:r>
-            <a:endParaRPr lang="en-SG" dirty="0"/>
+          </a:p>
+          <a:p>
+            <a:r>
+              <a:rPr lang="en-SG" dirty="0"/>
+              <a:t>https://angular.io/guide/quickstart</a:t>
+            </a:r>
           </a:p>
         </p:txBody>
       </p:sp>
@@ -4425,9 +4430,12 @@
           <a:p>
             <a:pPr lvl="1"/>
             <a:r>
-              <a:rPr lang="en-SG" dirty="0"/>
-              <a:t>https://docs.npmjs.com/misc/scripts</a:t>
-            </a:r>
+              <a:rPr lang="en-SG" dirty="0">
+                <a:hlinkClick r:id="rId2"/>
+              </a:rPr>
+              <a:t>https://ionicframework.com/docs/developer-resources/app-scripts/</a:t>
+            </a:r>
+            <a:endParaRPr lang="en-SG" dirty="0"/>
           </a:p>
           <a:p>
             <a:pPr lvl="1"/>
@@ -4435,7 +4443,6 @@
               <a:rPr lang="en-SG" dirty="0"/>
               <a:t>https://webpack.js.org/guides/getting-started/</a:t>
             </a:r>
-            <a:endParaRPr lang="en-SG" dirty="0"/>
           </a:p>
         </p:txBody>
       </p:sp>
@@ -4448,7 +4455,7 @@
           <p:nvPr/>
         </p:nvPicPr>
         <p:blipFill>
-          <a:blip r:embed="rId2">
+          <a:blip r:embed="rId3">
             <a:extLst>
               <a:ext uri="{28A0092B-C50C-407E-A947-70E740481C1C}">
                 <a14:useLocalDpi xmlns:a14="http://schemas.microsoft.com/office/drawing/2010/main" val="0"/>
@@ -4489,7 +4496,7 @@
           <p:nvPr/>
         </p:nvPicPr>
         <p:blipFill>
-          <a:blip r:embed="rId3"/>
+          <a:blip r:embed="rId4"/>
           <a:stretch>
             <a:fillRect/>
           </a:stretch>
@@ -4557,73 +4564,6 @@
           </a:p>
         </p:txBody>
       </p:sp>
-      <p:sp>
-        <p:nvSpPr>
-          <p:cNvPr id="3" name="Content Placeholder 2"/>
-          <p:cNvSpPr>
-            <a:spLocks noGrp="1"/>
-          </p:cNvSpPr>
-          <p:nvPr>
-            <p:ph idx="1"/>
-          </p:nvPr>
-        </p:nvSpPr>
-        <p:spPr/>
-        <p:txBody>
-          <a:bodyPr/>
-          <a:lstStyle/>
-          <a:p>
-            <a:endParaRPr lang="en-SG"/>
-          </a:p>
-        </p:txBody>
-      </p:sp>
-      <p:pic>
-        <p:nvPicPr>
-          <p:cNvPr id="5" name="Picture 4"/>
-          <p:cNvPicPr>
-            <a:picLocks noChangeAspect="1"/>
-          </p:cNvPicPr>
-          <p:nvPr/>
-        </p:nvPicPr>
-        <p:blipFill>
-          <a:blip r:embed="rId2"/>
-          <a:stretch>
-            <a:fillRect/>
-          </a:stretch>
-        </p:blipFill>
-        <p:spPr>
-          <a:xfrm>
-            <a:off x="5009302" y="2182218"/>
-            <a:ext cx="6344497" cy="4087122"/>
-          </a:xfrm>
-          <a:prstGeom prst="rect">
-            <a:avLst/>
-          </a:prstGeom>
-        </p:spPr>
-      </p:pic>
-      <p:pic>
-        <p:nvPicPr>
-          <p:cNvPr id="6" name="Picture 5"/>
-          <p:cNvPicPr>
-            <a:picLocks noChangeAspect="1"/>
-          </p:cNvPicPr>
-          <p:nvPr/>
-        </p:nvPicPr>
-        <p:blipFill>
-          <a:blip r:embed="rId3"/>
-          <a:stretch>
-            <a:fillRect/>
-          </a:stretch>
-        </p:blipFill>
-        <p:spPr>
-          <a:xfrm>
-            <a:off x="838200" y="2002704"/>
-            <a:ext cx="4044453" cy="4675782"/>
-          </a:xfrm>
-          <a:prstGeom prst="rect">
-            <a:avLst/>
-          </a:prstGeom>
-        </p:spPr>
-      </p:pic>
       <p:pic>
         <p:nvPicPr>
           <p:cNvPr id="3074" name="Picture 2" descr="Image result for cordova"/>
@@ -4633,7 +4573,7 @@
           <p:nvPr/>
         </p:nvPicPr>
         <p:blipFill>
-          <a:blip r:embed="rId4">
+          <a:blip r:embed="rId2">
             <a:extLst>
               <a:ext uri="{28A0092B-C50C-407E-A947-70E740481C1C}">
                 <a14:useLocalDpi xmlns:a14="http://schemas.microsoft.com/office/drawing/2010/main" val="0"/>
@@ -4647,7 +4587,7 @@
         </p:blipFill>
         <p:spPr bwMode="auto">
           <a:xfrm>
-            <a:off x="8427814" y="467889"/>
+            <a:off x="8387622" y="1578232"/>
             <a:ext cx="2707671" cy="1208404"/>
           </a:xfrm>
           <a:prstGeom prst="rect">
@@ -4663,6 +4603,58 @@
               </a14:hiddenFill>
             </a:ext>
           </a:extLst>
+        </p:spPr>
+      </p:pic>
+      <p:sp>
+        <p:nvSpPr>
+          <p:cNvPr id="4" name="Rectangle 3"/>
+          <p:cNvSpPr/>
+          <p:nvPr/>
+        </p:nvSpPr>
+        <p:spPr>
+          <a:xfrm>
+            <a:off x="7761093" y="3400447"/>
+            <a:ext cx="4041112" cy="646331"/>
+          </a:xfrm>
+          <a:prstGeom prst="rect">
+            <a:avLst/>
+          </a:prstGeom>
+        </p:spPr>
+        <p:txBody>
+          <a:bodyPr wrap="square">
+            <a:spAutoFit/>
+          </a:bodyPr>
+          <a:lstStyle/>
+          <a:p>
+            <a:r>
+              <a:rPr lang="en-SG" dirty="0"/>
+              <a:t>https://cordova.apache.org/docs/en/latest/guide/overview/index.html</a:t>
+            </a:r>
+          </a:p>
+        </p:txBody>
+      </p:sp>
+      <p:pic>
+        <p:nvPicPr>
+          <p:cNvPr id="7" name="Picture 6"/>
+          <p:cNvPicPr>
+            <a:picLocks noChangeAspect="1"/>
+          </p:cNvPicPr>
+          <p:nvPr/>
+        </p:nvPicPr>
+        <p:blipFill>
+          <a:blip r:embed="rId3"/>
+          <a:stretch>
+            <a:fillRect/>
+          </a:stretch>
+        </p:blipFill>
+        <p:spPr>
+          <a:xfrm>
+            <a:off x="567732" y="1374111"/>
+            <a:ext cx="6223280" cy="4699002"/>
+          </a:xfrm>
+          <a:prstGeom prst="rect">
+            <a:avLst/>
+          </a:prstGeom>
         </p:spPr>
       </p:pic>
     </p:spTree>
